--- a/course_material/slides/Introduction to C programming.pptx
+++ b/course_material/slides/Introduction to C programming.pptx
@@ -121,6 +121,22 @@
       </a:defRPr>
     </a:lvl9pPr>
   </p:defaultTextStyle>
+  <p:extLst>
+    <p:ext uri="{EFAFB233-063F-42B5-8137-9DF3F51BA10A}">
+      <p15:sldGuideLst xmlns:p15="http://schemas.microsoft.com/office/powerpoint/2012/main">
+        <p15:guide id="1" orient="horz" pos="2160">
+          <p15:clr>
+            <a:srgbClr val="A4A3A4"/>
+          </p15:clr>
+        </p15:guide>
+        <p15:guide id="2" pos="2880">
+          <p15:clr>
+            <a:srgbClr val="A4A3A4"/>
+          </p15:clr>
+        </p15:guide>
+      </p15:sldGuideLst>
+    </p:ext>
+  </p:extLst>
 </p:presentation>
 </file>
 
@@ -162,10 +178,9 @@
           <a:lstStyle/>
           <a:p>
             <a:r>
-              <a:rPr lang="en-US" smtClean="0"/>
+              <a:rPr lang="en-US"/>
               <a:t>Click to edit Master title style</a:t>
             </a:r>
-            <a:endParaRPr lang="en-US"/>
           </a:p>
         </p:txBody>
       </p:sp>
@@ -281,10 +296,9 @@
           </a:lstStyle>
           <a:p>
             <a:r>
-              <a:rPr lang="en-US" smtClean="0"/>
+              <a:rPr lang="en-US"/>
               <a:t>Click to edit Master subtitle style</a:t>
             </a:r>
-            <a:endParaRPr lang="en-US"/>
           </a:p>
         </p:txBody>
       </p:sp>
@@ -305,7 +319,7 @@
           <a:p>
             <a:fld id="{02397C39-6C6E-479B-BF19-5C306B2E9702}" type="datetimeFigureOut">
               <a:rPr lang="en-US" smtClean="0"/>
-              <a:t>10/13/2012</a:t>
+              <a:t>1/14/2025</a:t>
             </a:fld>
             <a:endParaRPr lang="en-US"/>
           </a:p>
@@ -399,10 +413,9 @@
           <a:lstStyle/>
           <a:p>
             <a:r>
-              <a:rPr lang="en-US" smtClean="0"/>
+              <a:rPr lang="en-US"/>
               <a:t>Click to edit Master title style</a:t>
             </a:r>
-            <a:endParaRPr lang="en-US"/>
           </a:p>
         </p:txBody>
       </p:sp>
@@ -423,38 +436,37 @@
           <a:p>
             <a:pPr lvl="0"/>
             <a:r>
-              <a:rPr lang="en-US" smtClean="0"/>
+              <a:rPr lang="en-US"/>
               <a:t>Click to edit Master text styles</a:t>
             </a:r>
           </a:p>
           <a:p>
             <a:pPr lvl="1"/>
             <a:r>
-              <a:rPr lang="en-US" smtClean="0"/>
+              <a:rPr lang="en-US"/>
               <a:t>Second level</a:t>
             </a:r>
           </a:p>
           <a:p>
             <a:pPr lvl="2"/>
             <a:r>
-              <a:rPr lang="en-US" smtClean="0"/>
+              <a:rPr lang="en-US"/>
               <a:t>Third level</a:t>
             </a:r>
           </a:p>
           <a:p>
             <a:pPr lvl="3"/>
             <a:r>
-              <a:rPr lang="en-US" smtClean="0"/>
+              <a:rPr lang="en-US"/>
               <a:t>Fourth level</a:t>
             </a:r>
           </a:p>
           <a:p>
             <a:pPr lvl="4"/>
             <a:r>
-              <a:rPr lang="en-US" smtClean="0"/>
+              <a:rPr lang="en-US"/>
               <a:t>Fifth level</a:t>
             </a:r>
-            <a:endParaRPr lang="en-US"/>
           </a:p>
         </p:txBody>
       </p:sp>
@@ -475,7 +487,7 @@
           <a:p>
             <a:fld id="{02397C39-6C6E-479B-BF19-5C306B2E9702}" type="datetimeFigureOut">
               <a:rPr lang="en-US" smtClean="0"/>
-              <a:t>10/13/2012</a:t>
+              <a:t>1/14/2025</a:t>
             </a:fld>
             <a:endParaRPr lang="en-US"/>
           </a:p>
@@ -574,10 +586,9 @@
           <a:lstStyle/>
           <a:p>
             <a:r>
-              <a:rPr lang="en-US" smtClean="0"/>
+              <a:rPr lang="en-US"/>
               <a:t>Click to edit Master title style</a:t>
             </a:r>
-            <a:endParaRPr lang="en-US"/>
           </a:p>
         </p:txBody>
       </p:sp>
@@ -603,38 +614,37 @@
           <a:p>
             <a:pPr lvl="0"/>
             <a:r>
-              <a:rPr lang="en-US" smtClean="0"/>
+              <a:rPr lang="en-US"/>
               <a:t>Click to edit Master text styles</a:t>
             </a:r>
           </a:p>
           <a:p>
             <a:pPr lvl="1"/>
             <a:r>
-              <a:rPr lang="en-US" smtClean="0"/>
+              <a:rPr lang="en-US"/>
               <a:t>Second level</a:t>
             </a:r>
           </a:p>
           <a:p>
             <a:pPr lvl="2"/>
             <a:r>
-              <a:rPr lang="en-US" smtClean="0"/>
+              <a:rPr lang="en-US"/>
               <a:t>Third level</a:t>
             </a:r>
           </a:p>
           <a:p>
             <a:pPr lvl="3"/>
             <a:r>
-              <a:rPr lang="en-US" smtClean="0"/>
+              <a:rPr lang="en-US"/>
               <a:t>Fourth level</a:t>
             </a:r>
           </a:p>
           <a:p>
             <a:pPr lvl="4"/>
             <a:r>
-              <a:rPr lang="en-US" smtClean="0"/>
+              <a:rPr lang="en-US"/>
               <a:t>Fifth level</a:t>
             </a:r>
-            <a:endParaRPr lang="en-US"/>
           </a:p>
         </p:txBody>
       </p:sp>
@@ -655,7 +665,7 @@
           <a:p>
             <a:fld id="{02397C39-6C6E-479B-BF19-5C306B2E9702}" type="datetimeFigureOut">
               <a:rPr lang="en-US" smtClean="0"/>
-              <a:t>10/13/2012</a:t>
+              <a:t>1/14/2025</a:t>
             </a:fld>
             <a:endParaRPr lang="en-US"/>
           </a:p>
@@ -749,10 +759,9 @@
           <a:lstStyle/>
           <a:p>
             <a:r>
-              <a:rPr lang="en-US" smtClean="0"/>
+              <a:rPr lang="en-US"/>
               <a:t>Click to edit Master title style</a:t>
             </a:r>
-            <a:endParaRPr lang="en-US"/>
           </a:p>
         </p:txBody>
       </p:sp>
@@ -773,38 +782,37 @@
           <a:p>
             <a:pPr lvl="0"/>
             <a:r>
-              <a:rPr lang="en-US" smtClean="0"/>
+              <a:rPr lang="en-US"/>
               <a:t>Click to edit Master text styles</a:t>
             </a:r>
           </a:p>
           <a:p>
             <a:pPr lvl="1"/>
             <a:r>
-              <a:rPr lang="en-US" smtClean="0"/>
+              <a:rPr lang="en-US"/>
               <a:t>Second level</a:t>
             </a:r>
           </a:p>
           <a:p>
             <a:pPr lvl="2"/>
             <a:r>
-              <a:rPr lang="en-US" smtClean="0"/>
+              <a:rPr lang="en-US"/>
               <a:t>Third level</a:t>
             </a:r>
           </a:p>
           <a:p>
             <a:pPr lvl="3"/>
             <a:r>
-              <a:rPr lang="en-US" smtClean="0"/>
+              <a:rPr lang="en-US"/>
               <a:t>Fourth level</a:t>
             </a:r>
           </a:p>
           <a:p>
             <a:pPr lvl="4"/>
             <a:r>
-              <a:rPr lang="en-US" smtClean="0"/>
+              <a:rPr lang="en-US"/>
               <a:t>Fifth level</a:t>
             </a:r>
-            <a:endParaRPr lang="en-US"/>
           </a:p>
         </p:txBody>
       </p:sp>
@@ -825,7 +833,7 @@
           <a:p>
             <a:fld id="{02397C39-6C6E-479B-BF19-5C306B2E9702}" type="datetimeFigureOut">
               <a:rPr lang="en-US" smtClean="0"/>
-              <a:t>10/13/2012</a:t>
+              <a:t>1/14/2025</a:t>
             </a:fld>
             <a:endParaRPr lang="en-US"/>
           </a:p>
@@ -928,10 +936,9 @@
           </a:lstStyle>
           <a:p>
             <a:r>
-              <a:rPr lang="en-US" smtClean="0"/>
+              <a:rPr lang="en-US"/>
               <a:t>Click to edit Master title style</a:t>
             </a:r>
-            <a:endParaRPr lang="en-US"/>
           </a:p>
         </p:txBody>
       </p:sp>
@@ -1048,7 +1055,7 @@
           <a:p>
             <a:pPr lvl="0"/>
             <a:r>
-              <a:rPr lang="en-US" smtClean="0"/>
+              <a:rPr lang="en-US"/>
               <a:t>Click to edit Master text styles</a:t>
             </a:r>
           </a:p>
@@ -1071,7 +1078,7 @@
           <a:p>
             <a:fld id="{02397C39-6C6E-479B-BF19-5C306B2E9702}" type="datetimeFigureOut">
               <a:rPr lang="en-US" smtClean="0"/>
-              <a:t>10/13/2012</a:t>
+              <a:t>1/14/2025</a:t>
             </a:fld>
             <a:endParaRPr lang="en-US"/>
           </a:p>
@@ -1165,10 +1172,9 @@
           <a:lstStyle/>
           <a:p>
             <a:r>
-              <a:rPr lang="en-US" smtClean="0"/>
+              <a:rPr lang="en-US"/>
               <a:t>Click to edit Master title style</a:t>
             </a:r>
-            <a:endParaRPr lang="en-US"/>
           </a:p>
         </p:txBody>
       </p:sp>
@@ -1222,38 +1228,37 @@
           <a:p>
             <a:pPr lvl="0"/>
             <a:r>
-              <a:rPr lang="en-US" smtClean="0"/>
+              <a:rPr lang="en-US"/>
               <a:t>Click to edit Master text styles</a:t>
             </a:r>
           </a:p>
           <a:p>
             <a:pPr lvl="1"/>
             <a:r>
-              <a:rPr lang="en-US" smtClean="0"/>
+              <a:rPr lang="en-US"/>
               <a:t>Second level</a:t>
             </a:r>
           </a:p>
           <a:p>
             <a:pPr lvl="2"/>
             <a:r>
-              <a:rPr lang="en-US" smtClean="0"/>
+              <a:rPr lang="en-US"/>
               <a:t>Third level</a:t>
             </a:r>
           </a:p>
           <a:p>
             <a:pPr lvl="3"/>
             <a:r>
-              <a:rPr lang="en-US" smtClean="0"/>
+              <a:rPr lang="en-US"/>
               <a:t>Fourth level</a:t>
             </a:r>
           </a:p>
           <a:p>
             <a:pPr lvl="4"/>
             <a:r>
-              <a:rPr lang="en-US" smtClean="0"/>
+              <a:rPr lang="en-US"/>
               <a:t>Fifth level</a:t>
             </a:r>
-            <a:endParaRPr lang="en-US"/>
           </a:p>
         </p:txBody>
       </p:sp>
@@ -1307,38 +1312,37 @@
           <a:p>
             <a:pPr lvl="0"/>
             <a:r>
-              <a:rPr lang="en-US" smtClean="0"/>
+              <a:rPr lang="en-US"/>
               <a:t>Click to edit Master text styles</a:t>
             </a:r>
           </a:p>
           <a:p>
             <a:pPr lvl="1"/>
             <a:r>
-              <a:rPr lang="en-US" smtClean="0"/>
+              <a:rPr lang="en-US"/>
               <a:t>Second level</a:t>
             </a:r>
           </a:p>
           <a:p>
             <a:pPr lvl="2"/>
             <a:r>
-              <a:rPr lang="en-US" smtClean="0"/>
+              <a:rPr lang="en-US"/>
               <a:t>Third level</a:t>
             </a:r>
           </a:p>
           <a:p>
             <a:pPr lvl="3"/>
             <a:r>
-              <a:rPr lang="en-US" smtClean="0"/>
+              <a:rPr lang="en-US"/>
               <a:t>Fourth level</a:t>
             </a:r>
           </a:p>
           <a:p>
             <a:pPr lvl="4"/>
             <a:r>
-              <a:rPr lang="en-US" smtClean="0"/>
+              <a:rPr lang="en-US"/>
               <a:t>Fifth level</a:t>
             </a:r>
-            <a:endParaRPr lang="en-US"/>
           </a:p>
         </p:txBody>
       </p:sp>
@@ -1359,7 +1363,7 @@
           <a:p>
             <a:fld id="{02397C39-6C6E-479B-BF19-5C306B2E9702}" type="datetimeFigureOut">
               <a:rPr lang="en-US" smtClean="0"/>
-              <a:t>10/13/2012</a:t>
+              <a:t>1/14/2025</a:t>
             </a:fld>
             <a:endParaRPr lang="en-US"/>
           </a:p>
@@ -1457,10 +1461,9 @@
           </a:lstStyle>
           <a:p>
             <a:r>
-              <a:rPr lang="en-US" smtClean="0"/>
+              <a:rPr lang="en-US"/>
               <a:t>Click to edit Master title style</a:t>
             </a:r>
-            <a:endParaRPr lang="en-US"/>
           </a:p>
         </p:txBody>
       </p:sp>
@@ -1523,7 +1526,7 @@
           <a:p>
             <a:pPr lvl="0"/>
             <a:r>
-              <a:rPr lang="en-US" smtClean="0"/>
+              <a:rPr lang="en-US"/>
               <a:t>Click to edit Master text styles</a:t>
             </a:r>
           </a:p>
@@ -1579,38 +1582,37 @@
           <a:p>
             <a:pPr lvl="0"/>
             <a:r>
-              <a:rPr lang="en-US" smtClean="0"/>
+              <a:rPr lang="en-US"/>
               <a:t>Click to edit Master text styles</a:t>
             </a:r>
           </a:p>
           <a:p>
             <a:pPr lvl="1"/>
             <a:r>
-              <a:rPr lang="en-US" smtClean="0"/>
+              <a:rPr lang="en-US"/>
               <a:t>Second level</a:t>
             </a:r>
           </a:p>
           <a:p>
             <a:pPr lvl="2"/>
             <a:r>
-              <a:rPr lang="en-US" smtClean="0"/>
+              <a:rPr lang="en-US"/>
               <a:t>Third level</a:t>
             </a:r>
           </a:p>
           <a:p>
             <a:pPr lvl="3"/>
             <a:r>
-              <a:rPr lang="en-US" smtClean="0"/>
+              <a:rPr lang="en-US"/>
               <a:t>Fourth level</a:t>
             </a:r>
           </a:p>
           <a:p>
             <a:pPr lvl="4"/>
             <a:r>
-              <a:rPr lang="en-US" smtClean="0"/>
+              <a:rPr lang="en-US"/>
               <a:t>Fifth level</a:t>
             </a:r>
-            <a:endParaRPr lang="en-US"/>
           </a:p>
         </p:txBody>
       </p:sp>
@@ -1673,7 +1675,7 @@
           <a:p>
             <a:pPr lvl="0"/>
             <a:r>
-              <a:rPr lang="en-US" smtClean="0"/>
+              <a:rPr lang="en-US"/>
               <a:t>Click to edit Master text styles</a:t>
             </a:r>
           </a:p>
@@ -1729,38 +1731,37 @@
           <a:p>
             <a:pPr lvl="0"/>
             <a:r>
-              <a:rPr lang="en-US" smtClean="0"/>
+              <a:rPr lang="en-US"/>
               <a:t>Click to edit Master text styles</a:t>
             </a:r>
           </a:p>
           <a:p>
             <a:pPr lvl="1"/>
             <a:r>
-              <a:rPr lang="en-US" smtClean="0"/>
+              <a:rPr lang="en-US"/>
               <a:t>Second level</a:t>
             </a:r>
           </a:p>
           <a:p>
             <a:pPr lvl="2"/>
             <a:r>
-              <a:rPr lang="en-US" smtClean="0"/>
+              <a:rPr lang="en-US"/>
               <a:t>Third level</a:t>
             </a:r>
           </a:p>
           <a:p>
             <a:pPr lvl="3"/>
             <a:r>
-              <a:rPr lang="en-US" smtClean="0"/>
+              <a:rPr lang="en-US"/>
               <a:t>Fourth level</a:t>
             </a:r>
           </a:p>
           <a:p>
             <a:pPr lvl="4"/>
             <a:r>
-              <a:rPr lang="en-US" smtClean="0"/>
+              <a:rPr lang="en-US"/>
               <a:t>Fifth level</a:t>
             </a:r>
-            <a:endParaRPr lang="en-US"/>
           </a:p>
         </p:txBody>
       </p:sp>
@@ -1781,7 +1782,7 @@
           <a:p>
             <a:fld id="{02397C39-6C6E-479B-BF19-5C306B2E9702}" type="datetimeFigureOut">
               <a:rPr lang="en-US" smtClean="0"/>
-              <a:t>10/13/2012</a:t>
+              <a:t>1/14/2025</a:t>
             </a:fld>
             <a:endParaRPr lang="en-US"/>
           </a:p>
@@ -1875,10 +1876,9 @@
           <a:lstStyle/>
           <a:p>
             <a:r>
-              <a:rPr lang="en-US" smtClean="0"/>
+              <a:rPr lang="en-US"/>
               <a:t>Click to edit Master title style</a:t>
             </a:r>
-            <a:endParaRPr lang="en-US"/>
           </a:p>
         </p:txBody>
       </p:sp>
@@ -1899,7 +1899,7 @@
           <a:p>
             <a:fld id="{02397C39-6C6E-479B-BF19-5C306B2E9702}" type="datetimeFigureOut">
               <a:rPr lang="en-US" smtClean="0"/>
-              <a:t>10/13/2012</a:t>
+              <a:t>1/14/2025</a:t>
             </a:fld>
             <a:endParaRPr lang="en-US"/>
           </a:p>
@@ -1994,7 +1994,7 @@
           <a:p>
             <a:fld id="{02397C39-6C6E-479B-BF19-5C306B2E9702}" type="datetimeFigureOut">
               <a:rPr lang="en-US" smtClean="0"/>
-              <a:t>10/13/2012</a:t>
+              <a:t>1/14/2025</a:t>
             </a:fld>
             <a:endParaRPr lang="en-US"/>
           </a:p>
@@ -2097,10 +2097,9 @@
           </a:lstStyle>
           <a:p>
             <a:r>
-              <a:rPr lang="en-US" smtClean="0"/>
+              <a:rPr lang="en-US"/>
               <a:t>Click to edit Master title style</a:t>
             </a:r>
-            <a:endParaRPr lang="en-US"/>
           </a:p>
         </p:txBody>
       </p:sp>
@@ -2154,38 +2153,37 @@
           <a:p>
             <a:pPr lvl="0"/>
             <a:r>
-              <a:rPr lang="en-US" smtClean="0"/>
+              <a:rPr lang="en-US"/>
               <a:t>Click to edit Master text styles</a:t>
             </a:r>
           </a:p>
           <a:p>
             <a:pPr lvl="1"/>
             <a:r>
-              <a:rPr lang="en-US" smtClean="0"/>
+              <a:rPr lang="en-US"/>
               <a:t>Second level</a:t>
             </a:r>
           </a:p>
           <a:p>
             <a:pPr lvl="2"/>
             <a:r>
-              <a:rPr lang="en-US" smtClean="0"/>
+              <a:rPr lang="en-US"/>
               <a:t>Third level</a:t>
             </a:r>
           </a:p>
           <a:p>
             <a:pPr lvl="3"/>
             <a:r>
-              <a:rPr lang="en-US" smtClean="0"/>
+              <a:rPr lang="en-US"/>
               <a:t>Fourth level</a:t>
             </a:r>
           </a:p>
           <a:p>
             <a:pPr lvl="4"/>
             <a:r>
-              <a:rPr lang="en-US" smtClean="0"/>
+              <a:rPr lang="en-US"/>
               <a:t>Fifth level</a:t>
             </a:r>
-            <a:endParaRPr lang="en-US"/>
           </a:p>
         </p:txBody>
       </p:sp>
@@ -2248,7 +2246,7 @@
           <a:p>
             <a:pPr lvl="0"/>
             <a:r>
-              <a:rPr lang="en-US" smtClean="0"/>
+              <a:rPr lang="en-US"/>
               <a:t>Click to edit Master text styles</a:t>
             </a:r>
           </a:p>
@@ -2271,7 +2269,7 @@
           <a:p>
             <a:fld id="{02397C39-6C6E-479B-BF19-5C306B2E9702}" type="datetimeFigureOut">
               <a:rPr lang="en-US" smtClean="0"/>
-              <a:t>10/13/2012</a:t>
+              <a:t>1/14/2025</a:t>
             </a:fld>
             <a:endParaRPr lang="en-US"/>
           </a:p>
@@ -2374,10 +2372,9 @@
           </a:lstStyle>
           <a:p>
             <a:r>
-              <a:rPr lang="en-US" smtClean="0"/>
+              <a:rPr lang="en-US"/>
               <a:t>Click to edit Master title style</a:t>
             </a:r>
-            <a:endParaRPr lang="en-US"/>
           </a:p>
         </p:txBody>
       </p:sp>
@@ -2501,7 +2498,7 @@
           <a:p>
             <a:pPr lvl="0"/>
             <a:r>
-              <a:rPr lang="en-US" smtClean="0"/>
+              <a:rPr lang="en-US"/>
               <a:t>Click to edit Master text styles</a:t>
             </a:r>
           </a:p>
@@ -2524,7 +2521,7 @@
           <a:p>
             <a:fld id="{02397C39-6C6E-479B-BF19-5C306B2E9702}" type="datetimeFigureOut">
               <a:rPr lang="en-US" smtClean="0"/>
-              <a:t>10/13/2012</a:t>
+              <a:t>1/14/2025</a:t>
             </a:fld>
             <a:endParaRPr lang="en-US"/>
           </a:p>
@@ -2633,10 +2630,9 @@
           <a:lstStyle/>
           <a:p>
             <a:r>
-              <a:rPr lang="en-US" smtClean="0"/>
+              <a:rPr lang="en-US"/>
               <a:t>Click to edit Master title style</a:t>
             </a:r>
-            <a:endParaRPr lang="en-US"/>
           </a:p>
         </p:txBody>
       </p:sp>
@@ -2667,38 +2663,37 @@
           <a:p>
             <a:pPr lvl="0"/>
             <a:r>
-              <a:rPr lang="en-US" smtClean="0"/>
+              <a:rPr lang="en-US"/>
               <a:t>Click to edit Master text styles</a:t>
             </a:r>
           </a:p>
           <a:p>
             <a:pPr lvl="1"/>
             <a:r>
-              <a:rPr lang="en-US" smtClean="0"/>
+              <a:rPr lang="en-US"/>
               <a:t>Second level</a:t>
             </a:r>
           </a:p>
           <a:p>
             <a:pPr lvl="2"/>
             <a:r>
-              <a:rPr lang="en-US" smtClean="0"/>
+              <a:rPr lang="en-US"/>
               <a:t>Third level</a:t>
             </a:r>
           </a:p>
           <a:p>
             <a:pPr lvl="3"/>
             <a:r>
-              <a:rPr lang="en-US" smtClean="0"/>
+              <a:rPr lang="en-US"/>
               <a:t>Fourth level</a:t>
             </a:r>
           </a:p>
           <a:p>
             <a:pPr lvl="4"/>
             <a:r>
-              <a:rPr lang="en-US" smtClean="0"/>
+              <a:rPr lang="en-US"/>
               <a:t>Fifth level</a:t>
             </a:r>
-            <a:endParaRPr lang="en-US"/>
           </a:p>
         </p:txBody>
       </p:sp>
@@ -2737,7 +2732,7 @@
           <a:p>
             <a:fld id="{02397C39-6C6E-479B-BF19-5C306B2E9702}" type="datetimeFigureOut">
               <a:rPr lang="en-US" smtClean="0"/>
-              <a:t>10/13/2012</a:t>
+              <a:t>1/14/2025</a:t>
             </a:fld>
             <a:endParaRPr lang="en-US"/>
           </a:p>
@@ -3128,10 +3123,9 @@
           <a:lstStyle/>
           <a:p>
             <a:r>
-              <a:rPr lang="en-US" dirty="0" smtClean="0"/>
+              <a:rPr lang="en-US" dirty="0"/>
               <a:t>Introduction to C programming</a:t>
             </a:r>
-            <a:endParaRPr lang="en-US" dirty="0"/>
           </a:p>
         </p:txBody>
       </p:sp>
@@ -3151,10 +3145,9 @@
           <a:lstStyle/>
           <a:p>
             <a:r>
-              <a:rPr lang="en-US" dirty="0" smtClean="0"/>
+              <a:rPr lang="en-US" dirty="0"/>
               <a:t>There are 10 type of people in the world, those that understand binary and those that don’t.</a:t>
             </a:r>
-            <a:endParaRPr lang="en-US" dirty="0"/>
           </a:p>
         </p:txBody>
       </p:sp>
@@ -3204,10 +3197,9 @@
           <a:lstStyle/>
           <a:p>
             <a:r>
-              <a:rPr lang="en-US" dirty="0" smtClean="0"/>
+              <a:rPr lang="en-US" dirty="0"/>
               <a:t>Assembly</a:t>
             </a:r>
-            <a:endParaRPr lang="en-US" dirty="0"/>
           </a:p>
         </p:txBody>
       </p:sp>
@@ -3229,78 +3221,77 @@
           <a:lstStyle/>
           <a:p>
             <a:r>
-              <a:rPr lang="en-US" dirty="0" smtClean="0"/>
+              <a:rPr lang="en-US" dirty="0"/>
               <a:t>Assembly is a programming language for a processor.</a:t>
             </a:r>
           </a:p>
           <a:p>
             <a:r>
-              <a:rPr lang="en-US" dirty="0" smtClean="0"/>
+              <a:rPr lang="en-US" dirty="0"/>
               <a:t>Thus for our simple example in previous slide the Assembly might be:</a:t>
             </a:r>
           </a:p>
           <a:p>
             <a:pPr lvl="1"/>
             <a:r>
-              <a:rPr lang="en-US" dirty="0" smtClean="0"/>
+              <a:rPr lang="en-US" dirty="0"/>
               <a:t>LD R1,3</a:t>
             </a:r>
           </a:p>
           <a:p>
             <a:pPr lvl="1"/>
             <a:r>
-              <a:rPr lang="en-US" dirty="0" smtClean="0"/>
+              <a:rPr lang="en-US" dirty="0"/>
               <a:t>LD R0,4</a:t>
             </a:r>
           </a:p>
           <a:p>
             <a:pPr lvl="1"/>
             <a:r>
-              <a:rPr lang="en-US" dirty="0" smtClean="0"/>
+              <a:rPr lang="en-US" dirty="0"/>
               <a:t>ADD R0,R1</a:t>
             </a:r>
           </a:p>
           <a:p>
             <a:r>
-              <a:rPr lang="en-US" dirty="0" smtClean="0"/>
+              <a:rPr lang="en-US" dirty="0"/>
               <a:t>An assembler will convert these commands to our machine instructions:</a:t>
             </a:r>
           </a:p>
           <a:p>
             <a:pPr lvl="1"/>
             <a:r>
-              <a:rPr lang="en-US" dirty="0" smtClean="0"/>
+              <a:rPr lang="en-US" dirty="0"/>
               <a:t>0x8001  </a:t>
             </a:r>
           </a:p>
           <a:p>
             <a:pPr lvl="1"/>
             <a:r>
-              <a:rPr lang="en-US" dirty="0" smtClean="0"/>
+              <a:rPr lang="en-US" dirty="0"/>
               <a:t>0x0003</a:t>
             </a:r>
           </a:p>
           <a:p>
             <a:pPr lvl="1"/>
             <a:r>
-              <a:rPr lang="en-US" dirty="0" smtClean="0"/>
+              <a:rPr lang="en-US" dirty="0"/>
               <a:t>0x8000</a:t>
             </a:r>
           </a:p>
           <a:p>
             <a:pPr lvl="1"/>
             <a:r>
-              <a:rPr lang="en-US" dirty="0" smtClean="0"/>
+              <a:rPr lang="en-US" dirty="0"/>
               <a:t>0x0004</a:t>
             </a:r>
           </a:p>
           <a:p>
             <a:pPr lvl="1"/>
             <a:r>
-              <a:rPr lang="en-US" dirty="0" smtClean="0"/>
+              <a:rPr lang="en-US" dirty="0"/>
               <a:t>0x0110</a:t>
             </a:r>
-            <a:endParaRPr lang="en-US" dirty="0"/>
           </a:p>
         </p:txBody>
       </p:sp>
@@ -3350,10 +3341,9 @@
           <a:lstStyle/>
           <a:p>
             <a:r>
-              <a:rPr lang="en-US" dirty="0" smtClean="0"/>
+              <a:rPr lang="en-US" dirty="0"/>
               <a:t>New Instructions</a:t>
             </a:r>
-            <a:endParaRPr lang="en-US" dirty="0"/>
           </a:p>
         </p:txBody>
       </p:sp>
@@ -3373,19 +3363,19 @@
           <a:lstStyle/>
           <a:p>
             <a:r>
-              <a:rPr lang="en-US" dirty="0" smtClean="0"/>
+              <a:rPr lang="en-US" dirty="0"/>
               <a:t>In last example we waste a lot of bits with our load, specifically the second 16bits we send we only used 8 bits. </a:t>
             </a:r>
           </a:p>
           <a:p>
             <a:r>
-              <a:rPr lang="en-US" dirty="0" smtClean="0"/>
-              <a:t>So lets make a new load instruction 0x810x which loads 16bits into a even and odd registers. </a:t>
-            </a:r>
-          </a:p>
-          <a:p>
-            <a:r>
-              <a:rPr lang="en-US" dirty="0" smtClean="0"/>
+              <a:rPr lang="en-US" dirty="0"/>
+              <a:t>So lets make a new load instruction 0x810x which loads 16bits into an even and odd registers. </a:t>
+            </a:r>
+          </a:p>
+          <a:p>
+            <a:r>
+              <a:rPr lang="en-US" dirty="0"/>
               <a:t>0x8100 0x1234 would load R1 with 0x12 and R0 with 0x34. </a:t>
             </a:r>
           </a:p>
@@ -3437,10 +3427,9 @@
           <a:lstStyle/>
           <a:p>
             <a:r>
-              <a:rPr lang="en-US" dirty="0" smtClean="0"/>
+              <a:rPr lang="en-US" dirty="0"/>
               <a:t>Programming Language Levels</a:t>
             </a:r>
-            <a:endParaRPr lang="en-US" dirty="0"/>
           </a:p>
         </p:txBody>
       </p:sp>
@@ -3460,70 +3449,69 @@
           <a:lstStyle/>
           <a:p>
             <a:r>
-              <a:rPr lang="en-US" dirty="0" smtClean="0"/>
+              <a:rPr lang="en-US" dirty="0"/>
               <a:t>Machine Code</a:t>
             </a:r>
           </a:p>
           <a:p>
             <a:r>
-              <a:rPr lang="en-US" dirty="0" smtClean="0"/>
+              <a:rPr lang="en-US" dirty="0"/>
               <a:t>Assembly – one to one size and speed to machine code</a:t>
             </a:r>
           </a:p>
           <a:p>
             <a:r>
-              <a:rPr lang="en-US" dirty="0" smtClean="0"/>
+              <a:rPr lang="en-US" dirty="0"/>
               <a:t>C programming</a:t>
             </a:r>
           </a:p>
           <a:p>
             <a:r>
-              <a:rPr lang="en-US" dirty="0" smtClean="0"/>
+              <a:rPr lang="en-US" dirty="0"/>
               <a:t>Compiled languages (C++, </a:t>
             </a:r>
             <a:r>
-              <a:rPr lang="en-US" dirty="0" err="1" smtClean="0"/>
+              <a:rPr lang="en-US" dirty="0" err="1"/>
               <a:t>pascal</a:t>
             </a:r>
             <a:r>
-              <a:rPr lang="en-US" dirty="0" smtClean="0"/>
+              <a:rPr lang="en-US" dirty="0"/>
               <a:t>, </a:t>
             </a:r>
             <a:r>
-              <a:rPr lang="en-US" dirty="0" err="1" smtClean="0"/>
+              <a:rPr lang="en-US" dirty="0" err="1"/>
               <a:t>fortran</a:t>
             </a:r>
             <a:r>
-              <a:rPr lang="en-US" dirty="0" smtClean="0"/>
+              <a:rPr lang="en-US" dirty="0"/>
               <a:t>, </a:t>
             </a:r>
             <a:r>
-              <a:rPr lang="en-US" dirty="0" err="1" smtClean="0"/>
+              <a:rPr lang="en-US" dirty="0" err="1"/>
               <a:t>etc</a:t>
             </a:r>
             <a:r>
-              <a:rPr lang="en-US" dirty="0" smtClean="0"/>
+              <a:rPr lang="en-US" dirty="0"/>
               <a:t>)</a:t>
             </a:r>
           </a:p>
           <a:p>
             <a:r>
-              <a:rPr lang="en-US" dirty="0" err="1" smtClean="0"/>
+              <a:rPr lang="en-US" dirty="0" err="1"/>
               <a:t>Interpoted</a:t>
             </a:r>
             <a:r>
-              <a:rPr lang="en-US" dirty="0" smtClean="0"/>
+              <a:rPr lang="en-US" dirty="0"/>
               <a:t> languages (C#, JAVA, Python, </a:t>
             </a:r>
             <a:r>
-              <a:rPr lang="en-US" dirty="0" err="1" smtClean="0"/>
+              <a:rPr lang="en-US" dirty="0" err="1"/>
               <a:t>etc</a:t>
             </a:r>
             <a:r>
-              <a:rPr lang="en-US" dirty="0" smtClean="0"/>
+              <a:rPr lang="en-US" dirty="0"/>
               <a:t>)</a:t>
             </a:r>
-            <a:endParaRPr lang="en-US" dirty="0"/>
           </a:p>
         </p:txBody>
       </p:sp>
@@ -3573,11 +3561,11 @@
           <a:lstStyle/>
           <a:p>
             <a:r>
-              <a:rPr lang="en-US" dirty="0" smtClean="0"/>
+              <a:rPr lang="en-US" dirty="0"/>
               <a:t>Language Costs and </a:t>
             </a:r>
             <a:r>
-              <a:rPr lang="en-US" dirty="0" err="1" smtClean="0"/>
+              <a:rPr lang="en-US" dirty="0" err="1"/>
               <a:t>Benifits</a:t>
             </a:r>
             <a:endParaRPr lang="en-US" dirty="0"/>
@@ -3600,22 +3588,21 @@
           <a:lstStyle/>
           <a:p>
             <a:r>
-              <a:rPr lang="en-US" dirty="0" smtClean="0"/>
+              <a:rPr lang="en-US" dirty="0"/>
               <a:t>As you move higher up in the programming language abstraction level, your development time decreases. </a:t>
             </a:r>
           </a:p>
           <a:p>
             <a:r>
-              <a:rPr lang="en-US" dirty="0" smtClean="0"/>
+              <a:rPr lang="en-US" dirty="0"/>
               <a:t>As you move higher up in the language your execution speed and code size increases.</a:t>
             </a:r>
           </a:p>
           <a:p>
             <a:r>
-              <a:rPr lang="en-US" dirty="0" smtClean="0"/>
+              <a:rPr lang="en-US" dirty="0"/>
               <a:t>Note you can write bad code in any language!</a:t>
             </a:r>
-            <a:endParaRPr lang="en-US" dirty="0"/>
           </a:p>
         </p:txBody>
       </p:sp>
@@ -3665,56 +3652,55 @@
           <a:lstStyle/>
           <a:p>
             <a:r>
-              <a:rPr lang="en-US" dirty="0" smtClean="0"/>
+              <a:rPr lang="en-US" dirty="0"/>
               <a:t>What is C</a:t>
             </a:r>
+          </a:p>
+        </p:txBody>
+      </p:sp>
+      <p:sp>
+        <p:nvSpPr>
+          <p:cNvPr id="3" name="Content Placeholder 2"/>
+          <p:cNvSpPr>
+            <a:spLocks noGrp="1"/>
+          </p:cNvSpPr>
+          <p:nvPr>
+            <p:ph idx="1"/>
+          </p:nvPr>
+        </p:nvSpPr>
+        <p:spPr/>
+        <p:txBody>
+          <a:bodyPr/>
+          <a:lstStyle/>
+          <a:p>
+            <a:r>
+              <a:rPr lang="en-US" dirty="0"/>
+              <a:t>C is a programming language invented by Dennis Ritchie between 1969 and 1973.</a:t>
+            </a:r>
+          </a:p>
+          <a:p>
+            <a:r>
+              <a:rPr lang="en-US" dirty="0"/>
+              <a:t>Designed to be make assembly programming easier.</a:t>
+            </a:r>
+          </a:p>
+          <a:p>
+            <a:r>
+              <a:rPr lang="en-US" dirty="0"/>
+              <a:t>Usually has 2-4x cost over assembly (size and speed) </a:t>
+            </a:r>
+          </a:p>
+          <a:p>
+            <a:pPr marL="0" indent="0">
+              <a:buNone/>
+            </a:pPr>
             <a:endParaRPr lang="en-US" dirty="0"/>
           </a:p>
-        </p:txBody>
-      </p:sp>
-      <p:sp>
-        <p:nvSpPr>
-          <p:cNvPr id="3" name="Content Placeholder 2"/>
-          <p:cNvSpPr>
-            <a:spLocks noGrp="1"/>
-          </p:cNvSpPr>
-          <p:nvPr>
-            <p:ph idx="1"/>
-          </p:nvPr>
-        </p:nvSpPr>
-        <p:spPr/>
-        <p:txBody>
-          <a:bodyPr/>
-          <a:lstStyle/>
-          <a:p>
-            <a:r>
-              <a:rPr lang="en-US" dirty="0" smtClean="0"/>
-              <a:t>C is a programming language invented by Dennis Ritchie between 1969 and 1973.</a:t>
-            </a:r>
-          </a:p>
-          <a:p>
-            <a:r>
-              <a:rPr lang="en-US" dirty="0" smtClean="0"/>
-              <a:t>Designed to be make assembly programming easier.</a:t>
-            </a:r>
-          </a:p>
-          <a:p>
-            <a:r>
-              <a:rPr lang="en-US" dirty="0" smtClean="0"/>
-              <a:t>Usually has 2-4x cost over using assembly (size and speed) </a:t>
-            </a:r>
-          </a:p>
           <a:p>
             <a:pPr marL="0" indent="0">
               <a:buNone/>
             </a:pPr>
-            <a:endParaRPr lang="en-US" dirty="0" smtClean="0"/>
-          </a:p>
-          <a:p>
-            <a:pPr marL="0" indent="0">
-              <a:buNone/>
-            </a:pPr>
-            <a:endParaRPr lang="en-US" dirty="0" smtClean="0"/>
+            <a:endParaRPr lang="en-US" dirty="0"/>
           </a:p>
           <a:p>
             <a:endParaRPr lang="en-US" dirty="0"/>
@@ -3767,10 +3753,9 @@
           <a:lstStyle/>
           <a:p>
             <a:r>
-              <a:rPr lang="en-US" dirty="0" smtClean="0"/>
+              <a:rPr lang="en-US" dirty="0"/>
               <a:t>Why C</a:t>
             </a:r>
-            <a:endParaRPr lang="en-US" dirty="0"/>
           </a:p>
         </p:txBody>
       </p:sp>
@@ -3790,85 +3775,84 @@
           <a:lstStyle/>
           <a:p>
             <a:r>
-              <a:rPr lang="en-US" dirty="0" smtClean="0"/>
+              <a:rPr lang="en-US" dirty="0"/>
               <a:t>Efficient to for processor and programmer</a:t>
             </a:r>
           </a:p>
           <a:p>
             <a:r>
-              <a:rPr lang="en-US" dirty="0" smtClean="0"/>
+              <a:rPr lang="en-US" dirty="0"/>
               <a:t>Easy to learn, only ~33 reserved words</a:t>
             </a:r>
           </a:p>
           <a:p>
             <a:pPr lvl="1"/>
             <a:r>
-              <a:rPr lang="en-US" dirty="0" smtClean="0"/>
+              <a:rPr lang="en-US" dirty="0"/>
               <a:t>auto else long switch break </a:t>
             </a:r>
             <a:r>
-              <a:rPr lang="en-US" dirty="0" err="1" smtClean="0"/>
+              <a:rPr lang="en-US" dirty="0" err="1"/>
               <a:t>enum</a:t>
             </a:r>
             <a:r>
-              <a:rPr lang="en-US" dirty="0" smtClean="0"/>
+              <a:rPr lang="en-US" dirty="0"/>
               <a:t> register </a:t>
             </a:r>
             <a:r>
-              <a:rPr lang="en-US" dirty="0" err="1" smtClean="0"/>
+              <a:rPr lang="en-US" dirty="0" err="1"/>
               <a:t>typedef</a:t>
             </a:r>
             <a:r>
-              <a:rPr lang="en-US" dirty="0" smtClean="0"/>
+              <a:rPr lang="en-US" dirty="0"/>
               <a:t> case extern return union char float short unsigned </a:t>
             </a:r>
             <a:r>
-              <a:rPr lang="en-US" dirty="0" err="1" smtClean="0"/>
+              <a:rPr lang="en-US" dirty="0" err="1"/>
               <a:t>const</a:t>
             </a:r>
             <a:r>
-              <a:rPr lang="en-US" dirty="0" smtClean="0"/>
+              <a:rPr lang="en-US" dirty="0"/>
               <a:t> for signed void continue </a:t>
             </a:r>
             <a:r>
-              <a:rPr lang="en-US" dirty="0" err="1" smtClean="0"/>
+              <a:rPr lang="en-US" dirty="0" err="1"/>
               <a:t>goto</a:t>
             </a:r>
             <a:r>
-              <a:rPr lang="en-US" dirty="0" smtClean="0"/>
+              <a:rPr lang="en-US" dirty="0"/>
               <a:t> </a:t>
             </a:r>
             <a:r>
-              <a:rPr lang="en-US" dirty="0" err="1" smtClean="0"/>
+              <a:rPr lang="en-US" dirty="0" err="1"/>
               <a:t>sizeof</a:t>
             </a:r>
             <a:r>
-              <a:rPr lang="en-US" dirty="0" smtClean="0"/>
+              <a:rPr lang="en-US" dirty="0"/>
               <a:t> volatile default if static while do </a:t>
             </a:r>
             <a:r>
-              <a:rPr lang="en-US" dirty="0" err="1" smtClean="0"/>
+              <a:rPr lang="en-US" dirty="0" err="1"/>
               <a:t>int</a:t>
             </a:r>
             <a:r>
-              <a:rPr lang="en-US" dirty="0" smtClean="0"/>
+              <a:rPr lang="en-US" dirty="0"/>
               <a:t> </a:t>
             </a:r>
             <a:r>
-              <a:rPr lang="en-US" dirty="0" err="1" smtClean="0"/>
+              <a:rPr lang="en-US" dirty="0" err="1"/>
               <a:t>struct</a:t>
             </a:r>
             <a:r>
-              <a:rPr lang="en-US" dirty="0" smtClean="0"/>
+              <a:rPr lang="en-US" dirty="0"/>
               <a:t> _Packed double</a:t>
             </a:r>
           </a:p>
           <a:p>
             <a:r>
-              <a:rPr lang="en-US" dirty="0" smtClean="0"/>
+              <a:rPr lang="en-US" dirty="0"/>
               <a:t>Code is more portable than assembly</a:t>
             </a:r>
-            <a:endParaRPr lang="en-US" dirty="0"/>
           </a:p>
         </p:txBody>
       </p:sp>
@@ -3918,10 +3902,9 @@
           <a:lstStyle/>
           <a:p>
             <a:r>
-              <a:rPr lang="en-US" dirty="0" smtClean="0"/>
+              <a:rPr lang="en-US" dirty="0"/>
               <a:t>C Example</a:t>
             </a:r>
-            <a:endParaRPr lang="en-US" dirty="0"/>
           </a:p>
         </p:txBody>
       </p:sp>
@@ -3943,7 +3926,7 @@
           <a:lstStyle/>
           <a:p>
             <a:r>
-              <a:rPr lang="en-US" dirty="0" smtClean="0"/>
+              <a:rPr lang="en-US" dirty="0"/>
               <a:t>Adding our two numbers</a:t>
             </a:r>
           </a:p>
@@ -3970,7 +3953,7 @@
               <a:buNone/>
             </a:pPr>
             <a:r>
-              <a:rPr lang="en-US" dirty="0" smtClean="0"/>
+              <a:rPr lang="en-US" dirty="0"/>
               <a:t>	uint8_t </a:t>
             </a:r>
             <a:r>
@@ -3987,20 +3970,16 @@
               <a:buNone/>
             </a:pPr>
             <a:r>
-              <a:rPr lang="en-US" dirty="0" smtClean="0"/>
+              <a:rPr lang="en-US" dirty="0"/>
               <a:t>	</a:t>
             </a:r>
             <a:r>
-              <a:rPr lang="en-US" dirty="0" err="1" smtClean="0"/>
+              <a:rPr lang="en-US" dirty="0" err="1"/>
               <a:t>i</a:t>
             </a:r>
             <a:r>
-              <a:rPr lang="en-US" dirty="0" smtClean="0"/>
-              <a:t>=3</a:t>
-            </a:r>
-            <a:r>
-              <a:rPr lang="en-US" dirty="0"/>
-              <a:t>;</a:t>
+              <a:rPr lang="en-US" dirty="0"/>
+              <a:t>=3;</a:t>
             </a:r>
           </a:p>
           <a:p>
@@ -4008,12 +3987,8 @@
               <a:buNone/>
             </a:pPr>
             <a:r>
-              <a:rPr lang="en-US" dirty="0" smtClean="0"/>
-              <a:t>	j=4</a:t>
-            </a:r>
-            <a:r>
-              <a:rPr lang="en-US" dirty="0"/>
-              <a:t>;</a:t>
+              <a:rPr lang="en-US" dirty="0"/>
+              <a:t>	j=4;</a:t>
             </a:r>
           </a:p>
           <a:p>
@@ -4021,19 +3996,19 @@
               <a:buNone/>
             </a:pPr>
             <a:r>
-              <a:rPr lang="en-US" dirty="0" smtClean="0"/>
+              <a:rPr lang="en-US" dirty="0"/>
               <a:t>	</a:t>
             </a:r>
             <a:r>
-              <a:rPr lang="en-US" dirty="0" err="1" smtClean="0"/>
+              <a:rPr lang="en-US" dirty="0" err="1"/>
               <a:t>i</a:t>
             </a:r>
             <a:r>
-              <a:rPr lang="en-US" dirty="0" smtClean="0"/>
+              <a:rPr lang="en-US" dirty="0"/>
               <a:t>=</a:t>
             </a:r>
             <a:r>
-              <a:rPr lang="en-US" dirty="0" err="1" smtClean="0"/>
+              <a:rPr lang="en-US" dirty="0" err="1"/>
               <a:t>i+j</a:t>
             </a:r>
             <a:r>
@@ -4098,10 +4073,9 @@
           <a:lstStyle/>
           <a:p>
             <a:r>
-              <a:rPr lang="en-US" dirty="0" smtClean="0"/>
+              <a:rPr lang="en-US" dirty="0"/>
               <a:t>Programming </a:t>
             </a:r>
-            <a:endParaRPr lang="en-US" dirty="0"/>
           </a:p>
         </p:txBody>
       </p:sp>
@@ -4121,28 +4095,27 @@
           <a:lstStyle/>
           <a:p>
             <a:r>
-              <a:rPr lang="en-US" dirty="0" smtClean="0"/>
+              <a:rPr lang="en-US" dirty="0"/>
               <a:t>Program starts at a function called main()</a:t>
             </a:r>
           </a:p>
           <a:p>
             <a:r>
-              <a:rPr lang="en-US" dirty="0" smtClean="0"/>
+              <a:rPr lang="en-US" dirty="0"/>
               <a:t>Code executes from top down</a:t>
             </a:r>
           </a:p>
           <a:p>
             <a:r>
-              <a:rPr lang="en-US" dirty="0" smtClean="0"/>
+              <a:rPr lang="en-US" dirty="0"/>
               <a:t>Expressions evaluated right to left (normally)</a:t>
             </a:r>
           </a:p>
           <a:p>
             <a:r>
-              <a:rPr lang="en-US" dirty="0" smtClean="0"/>
+              <a:rPr lang="en-US" dirty="0"/>
               <a:t>There are as many exceptions to rules in C as there are rules. </a:t>
             </a:r>
-            <a:endParaRPr lang="en-US" dirty="0"/>
           </a:p>
         </p:txBody>
       </p:sp>
@@ -4192,69 +4165,59 @@
           <a:lstStyle/>
           <a:p>
             <a:r>
-              <a:rPr lang="en-US" dirty="0" smtClean="0"/>
+              <a:rPr lang="en-US" dirty="0"/>
               <a:t>Programming Examples</a:t>
             </a:r>
+          </a:p>
+        </p:txBody>
+      </p:sp>
+      <p:sp>
+        <p:nvSpPr>
+          <p:cNvPr id="3" name="Content Placeholder 2"/>
+          <p:cNvSpPr>
+            <a:spLocks noGrp="1"/>
+          </p:cNvSpPr>
+          <p:nvPr>
+            <p:ph idx="1"/>
+          </p:nvPr>
+        </p:nvSpPr>
+        <p:spPr/>
+        <p:txBody>
+          <a:bodyPr/>
+          <a:lstStyle/>
+          <a:p>
+            <a:r>
+              <a:rPr lang="en-US" dirty="0"/>
+              <a:t>Continue with Programming examples</a:t>
+            </a:r>
+          </a:p>
+          <a:p>
+            <a:pPr lvl="1"/>
+            <a:r>
+              <a:rPr lang="en-US" dirty="0"/>
+              <a:t>If statements</a:t>
+            </a:r>
+          </a:p>
+          <a:p>
+            <a:pPr lvl="1"/>
+            <a:r>
+              <a:rPr lang="en-US" dirty="0"/>
+              <a:t>Function calls and return</a:t>
+            </a:r>
+          </a:p>
+          <a:p>
+            <a:pPr lvl="1"/>
+            <a:r>
+              <a:rPr lang="en-US" dirty="0" err="1"/>
+              <a:t>Printf</a:t>
+            </a:r>
             <a:endParaRPr lang="en-US" dirty="0"/>
           </a:p>
-        </p:txBody>
-      </p:sp>
-      <p:sp>
-        <p:nvSpPr>
-          <p:cNvPr id="3" name="Content Placeholder 2"/>
-          <p:cNvSpPr>
-            <a:spLocks noGrp="1"/>
-          </p:cNvSpPr>
-          <p:nvPr>
-            <p:ph idx="1"/>
-          </p:nvPr>
-        </p:nvSpPr>
-        <p:spPr/>
-        <p:txBody>
-          <a:bodyPr/>
-          <a:lstStyle/>
-          <a:p>
-            <a:r>
-              <a:rPr lang="en-US" dirty="0" smtClean="0"/>
-              <a:t>Continue with Programming </a:t>
-            </a:r>
-            <a:r>
-              <a:rPr lang="en-US" dirty="0" err="1" smtClean="0"/>
-              <a:t>exampls</a:t>
-            </a:r>
-            <a:endParaRPr lang="en-US" dirty="0" smtClean="0"/>
-          </a:p>
           <a:p>
             <a:pPr lvl="1"/>
             <a:r>
-              <a:rPr lang="en-US" dirty="0" smtClean="0"/>
-              <a:t>If statements</a:t>
-            </a:r>
-          </a:p>
-          <a:p>
-            <a:pPr lvl="1"/>
-            <a:r>
-              <a:rPr lang="en-US" dirty="0" smtClean="0"/>
-              <a:t>Function calls and return</a:t>
-            </a:r>
-          </a:p>
-          <a:p>
-            <a:pPr lvl="1"/>
-            <a:r>
-              <a:rPr lang="en-US" dirty="0" err="1" smtClean="0"/>
-              <a:t>Printf</a:t>
-            </a:r>
-            <a:endParaRPr lang="en-US" dirty="0" smtClean="0"/>
-          </a:p>
-          <a:p>
-            <a:pPr lvl="1"/>
-            <a:r>
-              <a:rPr lang="en-US" dirty="0"/>
-              <a:t> </a:t>
-            </a:r>
-            <a:r>
-              <a:rPr lang="en-US" dirty="0" smtClean="0"/>
-              <a:t>Operators</a:t>
+              <a:rPr lang="en-US" dirty="0"/>
+              <a:t> Operators</a:t>
             </a:r>
           </a:p>
         </p:txBody>
@@ -4305,53 +4268,52 @@
           <a:lstStyle/>
           <a:p>
             <a:r>
-              <a:rPr lang="en-US" dirty="0" smtClean="0"/>
+              <a:rPr lang="en-US" dirty="0"/>
               <a:t>A Basic Computer</a:t>
             </a:r>
+          </a:p>
+        </p:txBody>
+      </p:sp>
+      <p:sp>
+        <p:nvSpPr>
+          <p:cNvPr id="3" name="Content Placeholder 2"/>
+          <p:cNvSpPr>
+            <a:spLocks noGrp="1"/>
+          </p:cNvSpPr>
+          <p:nvPr>
+            <p:ph idx="1"/>
+          </p:nvPr>
+        </p:nvSpPr>
+        <p:spPr/>
+        <p:txBody>
+          <a:bodyPr/>
+          <a:lstStyle/>
+          <a:p>
+            <a:r>
+              <a:rPr lang="en-US" dirty="0"/>
+              <a:t>First we will design a basic computer that can do basic operations. </a:t>
+            </a:r>
+          </a:p>
+          <a:p>
+            <a:r>
+              <a:rPr lang="en-US" dirty="0"/>
+              <a:t>Register files</a:t>
+            </a:r>
+          </a:p>
+          <a:p>
+            <a:r>
+              <a:rPr lang="en-US" dirty="0"/>
+              <a:t>Instruction decoder</a:t>
+            </a:r>
+          </a:p>
+          <a:p>
+            <a:r>
+              <a:rPr lang="en-US" dirty="0"/>
+              <a:t>Example instructions</a:t>
+            </a:r>
+          </a:p>
+          <a:p>
             <a:endParaRPr lang="en-US" dirty="0"/>
-          </a:p>
-        </p:txBody>
-      </p:sp>
-      <p:sp>
-        <p:nvSpPr>
-          <p:cNvPr id="3" name="Content Placeholder 2"/>
-          <p:cNvSpPr>
-            <a:spLocks noGrp="1"/>
-          </p:cNvSpPr>
-          <p:nvPr>
-            <p:ph idx="1"/>
-          </p:nvPr>
-        </p:nvSpPr>
-        <p:spPr/>
-        <p:txBody>
-          <a:bodyPr/>
-          <a:lstStyle/>
-          <a:p>
-            <a:r>
-              <a:rPr lang="en-US" dirty="0" smtClean="0"/>
-              <a:t>First we will design a basic computer that can do basic operations. </a:t>
-            </a:r>
-          </a:p>
-          <a:p>
-            <a:r>
-              <a:rPr lang="en-US" dirty="0" smtClean="0"/>
-              <a:t>Register files</a:t>
-            </a:r>
-          </a:p>
-          <a:p>
-            <a:r>
-              <a:rPr lang="en-US" dirty="0" smtClean="0"/>
-              <a:t>Instruction decoder</a:t>
-            </a:r>
-          </a:p>
-          <a:p>
-            <a:r>
-              <a:rPr lang="en-US" dirty="0" smtClean="0"/>
-              <a:t>Example instructions</a:t>
-            </a:r>
-          </a:p>
-          <a:p>
-            <a:endParaRPr lang="en-US" dirty="0" smtClean="0"/>
           </a:p>
           <a:p>
             <a:endParaRPr lang="en-US" dirty="0"/>
@@ -4404,10 +4366,9 @@
           <a:lstStyle/>
           <a:p>
             <a:r>
-              <a:rPr lang="en-US" dirty="0" smtClean="0"/>
+              <a:rPr lang="en-US" dirty="0"/>
               <a:t>Binary and Hex</a:t>
             </a:r>
-            <a:endParaRPr lang="en-US" dirty="0"/>
           </a:p>
         </p:txBody>
       </p:sp>
@@ -4434,13 +4395,13 @@
           <a:lstStyle/>
           <a:p>
             <a:r>
-              <a:rPr lang="en-US" dirty="0" smtClean="0"/>
+              <a:rPr lang="en-US" dirty="0"/>
               <a:t>Computers speak binary which is also known as base 2. Humans normally speak base 10. </a:t>
             </a:r>
           </a:p>
           <a:p>
             <a:r>
-              <a:rPr lang="en-US" dirty="0" smtClean="0"/>
+              <a:rPr lang="en-US" dirty="0"/>
               <a:t>To count in binary you have</a:t>
             </a:r>
           </a:p>
@@ -4470,56 +4431,56 @@
           <a:p>
             <a:pPr lvl="1"/>
             <a:r>
-              <a:rPr lang="en-US" dirty="0" smtClean="0"/>
+              <a:rPr lang="en-US" dirty="0"/>
               <a:t>0000 - 0</a:t>
             </a:r>
           </a:p>
           <a:p>
             <a:pPr lvl="1"/>
             <a:r>
-              <a:rPr lang="en-US" dirty="0" smtClean="0"/>
+              <a:rPr lang="en-US" dirty="0"/>
               <a:t>0001 – 1</a:t>
             </a:r>
           </a:p>
           <a:p>
             <a:pPr lvl="1"/>
             <a:r>
-              <a:rPr lang="en-US" dirty="0" smtClean="0"/>
+              <a:rPr lang="en-US" dirty="0"/>
               <a:t>0010  - 2</a:t>
             </a:r>
           </a:p>
           <a:p>
             <a:pPr lvl="1"/>
             <a:r>
-              <a:rPr lang="en-US" dirty="0" smtClean="0"/>
+              <a:rPr lang="en-US" dirty="0"/>
               <a:t>0011 – 3</a:t>
             </a:r>
           </a:p>
           <a:p>
             <a:pPr lvl="1"/>
             <a:r>
-              <a:rPr lang="en-US" dirty="0" smtClean="0"/>
+              <a:rPr lang="en-US" dirty="0"/>
               <a:t>0100 – 4</a:t>
             </a:r>
           </a:p>
           <a:p>
             <a:pPr lvl="1"/>
             <a:r>
-              <a:rPr lang="en-US" dirty="0" smtClean="0"/>
+              <a:rPr lang="en-US" dirty="0"/>
               <a:t>0101 – 5</a:t>
             </a:r>
           </a:p>
           <a:p>
             <a:pPr lvl="1"/>
             <a:r>
-              <a:rPr lang="en-US" dirty="0" smtClean="0"/>
+              <a:rPr lang="en-US" dirty="0"/>
               <a:t>0110  - 6</a:t>
             </a:r>
           </a:p>
           <a:p>
             <a:pPr lvl="1"/>
             <a:r>
-              <a:rPr lang="en-US" dirty="0" smtClean="0"/>
+              <a:rPr lang="en-US" dirty="0"/>
               <a:t>0111 - 7</a:t>
             </a:r>
           </a:p>
@@ -4689,56 +4650,56 @@
           <a:p>
             <a:pPr lvl="1"/>
             <a:r>
-              <a:rPr lang="en-US" dirty="0" smtClean="0"/>
+              <a:rPr lang="en-US" dirty="0"/>
               <a:t>1000 - 8</a:t>
             </a:r>
           </a:p>
           <a:p>
             <a:pPr lvl="1"/>
             <a:r>
-              <a:rPr lang="en-US" dirty="0" smtClean="0"/>
+              <a:rPr lang="en-US" dirty="0"/>
               <a:t>1001 – 9</a:t>
             </a:r>
           </a:p>
           <a:p>
             <a:pPr lvl="1"/>
             <a:r>
-              <a:rPr lang="en-US" dirty="0" smtClean="0"/>
+              <a:rPr lang="en-US" dirty="0"/>
               <a:t>1010  - 10 (A)</a:t>
             </a:r>
           </a:p>
           <a:p>
             <a:pPr lvl="1"/>
             <a:r>
-              <a:rPr lang="en-US" dirty="0" smtClean="0"/>
+              <a:rPr lang="en-US" dirty="0"/>
               <a:t>1011 – 11 (B)</a:t>
             </a:r>
           </a:p>
           <a:p>
             <a:pPr lvl="1"/>
             <a:r>
-              <a:rPr lang="en-US" dirty="0" smtClean="0"/>
+              <a:rPr lang="en-US" dirty="0"/>
               <a:t>1100 – 12 (C)</a:t>
             </a:r>
           </a:p>
           <a:p>
             <a:pPr lvl="1"/>
             <a:r>
-              <a:rPr lang="en-US" dirty="0" smtClean="0"/>
+              <a:rPr lang="en-US" dirty="0"/>
               <a:t>1101 – 13 (D)</a:t>
             </a:r>
           </a:p>
           <a:p>
             <a:pPr lvl="1"/>
             <a:r>
-              <a:rPr lang="en-US" dirty="0" smtClean="0"/>
+              <a:rPr lang="en-US" dirty="0"/>
               <a:t>1110 – 14 (E)</a:t>
             </a:r>
           </a:p>
           <a:p>
             <a:pPr lvl="1"/>
             <a:r>
-              <a:rPr lang="en-US" dirty="0" smtClean="0"/>
+              <a:rPr lang="en-US" dirty="0"/>
               <a:t>1111 – 15 (F)</a:t>
             </a:r>
           </a:p>
@@ -4793,10 +4754,9 @@
           <a:lstStyle/>
           <a:p>
             <a:r>
-              <a:rPr lang="en-US" dirty="0" smtClean="0"/>
+              <a:rPr lang="en-US" dirty="0"/>
               <a:t>Binary and Hex</a:t>
             </a:r>
-            <a:endParaRPr lang="en-US" dirty="0"/>
           </a:p>
         </p:txBody>
       </p:sp>
@@ -4823,13 +4783,13 @@
           <a:lstStyle/>
           <a:p>
             <a:r>
-              <a:rPr lang="en-US" dirty="0" smtClean="0"/>
+              <a:rPr lang="en-US" dirty="0"/>
               <a:t>To make binary easier we often count in hex, base 16. </a:t>
             </a:r>
           </a:p>
           <a:p>
             <a:r>
-              <a:rPr lang="en-US" dirty="0" smtClean="0"/>
+              <a:rPr lang="en-US" dirty="0"/>
               <a:t>To indicate hex number we will prefix with 0x</a:t>
             </a:r>
           </a:p>
@@ -4859,56 +4819,56 @@
           <a:p>
             <a:pPr lvl="1"/>
             <a:r>
-              <a:rPr lang="en-US" dirty="0" smtClean="0"/>
+              <a:rPr lang="en-US" dirty="0"/>
               <a:t>0000 - 0</a:t>
             </a:r>
           </a:p>
           <a:p>
             <a:pPr lvl="1"/>
             <a:r>
-              <a:rPr lang="en-US" dirty="0" smtClean="0"/>
+              <a:rPr lang="en-US" dirty="0"/>
               <a:t>0001 – 1</a:t>
             </a:r>
           </a:p>
           <a:p>
             <a:pPr lvl="1"/>
             <a:r>
-              <a:rPr lang="en-US" dirty="0" smtClean="0"/>
+              <a:rPr lang="en-US" dirty="0"/>
               <a:t>0010  - 2</a:t>
             </a:r>
           </a:p>
           <a:p>
             <a:pPr lvl="1"/>
             <a:r>
-              <a:rPr lang="en-US" dirty="0" smtClean="0"/>
+              <a:rPr lang="en-US" dirty="0"/>
               <a:t>0011 – 3</a:t>
             </a:r>
           </a:p>
           <a:p>
             <a:pPr lvl="1"/>
             <a:r>
-              <a:rPr lang="en-US" dirty="0" smtClean="0"/>
+              <a:rPr lang="en-US" dirty="0"/>
               <a:t>0100 – 4</a:t>
             </a:r>
           </a:p>
           <a:p>
             <a:pPr lvl="1"/>
             <a:r>
-              <a:rPr lang="en-US" dirty="0" smtClean="0"/>
+              <a:rPr lang="en-US" dirty="0"/>
               <a:t>0101 – 5</a:t>
             </a:r>
           </a:p>
           <a:p>
             <a:pPr lvl="1"/>
             <a:r>
-              <a:rPr lang="en-US" dirty="0" smtClean="0"/>
+              <a:rPr lang="en-US" dirty="0"/>
               <a:t>0110  - 6</a:t>
             </a:r>
           </a:p>
           <a:p>
             <a:pPr lvl="1"/>
             <a:r>
-              <a:rPr lang="en-US" dirty="0" smtClean="0"/>
+              <a:rPr lang="en-US" dirty="0"/>
               <a:t>0111 - 7</a:t>
             </a:r>
           </a:p>
@@ -5078,56 +5038,56 @@
           <a:p>
             <a:pPr lvl="1"/>
             <a:r>
-              <a:rPr lang="en-US" dirty="0" smtClean="0"/>
+              <a:rPr lang="en-US" dirty="0"/>
               <a:t>1000 - 8</a:t>
             </a:r>
           </a:p>
           <a:p>
             <a:pPr lvl="1"/>
             <a:r>
-              <a:rPr lang="en-US" dirty="0" smtClean="0"/>
+              <a:rPr lang="en-US" dirty="0"/>
               <a:t>1001 – 9</a:t>
             </a:r>
           </a:p>
           <a:p>
             <a:pPr lvl="1"/>
             <a:r>
-              <a:rPr lang="en-US" dirty="0" smtClean="0"/>
+              <a:rPr lang="en-US" dirty="0"/>
               <a:t>1010  - 10 (A)</a:t>
             </a:r>
           </a:p>
           <a:p>
             <a:pPr lvl="1"/>
             <a:r>
-              <a:rPr lang="en-US" dirty="0" smtClean="0"/>
+              <a:rPr lang="en-US" dirty="0"/>
               <a:t>1011 – 11 (B)</a:t>
             </a:r>
           </a:p>
           <a:p>
             <a:pPr lvl="1"/>
             <a:r>
-              <a:rPr lang="en-US" dirty="0" smtClean="0"/>
+              <a:rPr lang="en-US" dirty="0"/>
               <a:t>1100 – 12 (C)</a:t>
             </a:r>
           </a:p>
           <a:p>
             <a:pPr lvl="1"/>
             <a:r>
-              <a:rPr lang="en-US" dirty="0" smtClean="0"/>
+              <a:rPr lang="en-US" dirty="0"/>
               <a:t>1101 – 13 (D)</a:t>
             </a:r>
           </a:p>
           <a:p>
             <a:pPr lvl="1"/>
             <a:r>
-              <a:rPr lang="en-US" dirty="0" smtClean="0"/>
+              <a:rPr lang="en-US" dirty="0"/>
               <a:t>1110 – 14 (E)</a:t>
             </a:r>
           </a:p>
           <a:p>
             <a:pPr lvl="1"/>
             <a:r>
-              <a:rPr lang="en-US" dirty="0" smtClean="0"/>
+              <a:rPr lang="en-US" dirty="0"/>
               <a:t>1111 – 15 (F)</a:t>
             </a:r>
           </a:p>
@@ -5182,10 +5142,9 @@
           <a:lstStyle/>
           <a:p>
             <a:r>
-              <a:rPr lang="en-US" dirty="0" smtClean="0"/>
+              <a:rPr lang="en-US" dirty="0"/>
               <a:t>Hex Examples</a:t>
             </a:r>
-            <a:endParaRPr lang="en-US" dirty="0"/>
           </a:p>
         </p:txBody>
       </p:sp>
@@ -5205,25 +5164,25 @@
           <a:lstStyle/>
           <a:p>
             <a:r>
-              <a:rPr lang="en-US" dirty="0" smtClean="0"/>
+              <a:rPr lang="en-US" dirty="0"/>
               <a:t>0x03 – 3 </a:t>
             </a:r>
           </a:p>
           <a:p>
             <a:r>
-              <a:rPr lang="en-US" dirty="0" smtClean="0"/>
+              <a:rPr lang="en-US" dirty="0"/>
               <a:t>0x0F -15</a:t>
             </a:r>
           </a:p>
           <a:p>
             <a:r>
-              <a:rPr lang="en-US" dirty="0" smtClean="0"/>
+              <a:rPr lang="en-US" dirty="0"/>
               <a:t>0x10 – 16</a:t>
             </a:r>
           </a:p>
           <a:p>
             <a:r>
-              <a:rPr lang="en-US" dirty="0" smtClean="0"/>
+              <a:rPr lang="en-US" dirty="0"/>
               <a:t>Note that each character in hex number is four bits. Thus two digits above make 8 bits.</a:t>
             </a:r>
           </a:p>
@@ -5275,10 +5234,9 @@
           <a:lstStyle/>
           <a:p>
             <a:r>
-              <a:rPr lang="en-US" dirty="0" smtClean="0"/>
+              <a:rPr lang="en-US" dirty="0"/>
               <a:t>Registers</a:t>
             </a:r>
-            <a:endParaRPr lang="en-US" dirty="0"/>
           </a:p>
         </p:txBody>
       </p:sp>
@@ -5298,19 +5256,19 @@
           <a:lstStyle/>
           <a:p>
             <a:r>
-              <a:rPr lang="en-US" dirty="0" smtClean="0"/>
+              <a:rPr lang="en-US" dirty="0"/>
               <a:t>Registers or “register file”  is some memory that the processor can get and store data from. </a:t>
             </a:r>
           </a:p>
           <a:p>
             <a:r>
-              <a:rPr lang="en-US" dirty="0" smtClean="0"/>
+              <a:rPr lang="en-US" dirty="0"/>
               <a:t>For our processor we will assume we have 16 registers</a:t>
             </a:r>
           </a:p>
           <a:p>
             <a:r>
-              <a:rPr lang="en-US" dirty="0" smtClean="0"/>
+              <a:rPr lang="en-US" dirty="0"/>
               <a:t>8-bit wide registers</a:t>
             </a:r>
           </a:p>
@@ -5429,57 +5387,56 @@
           <a:lstStyle/>
           <a:p>
             <a:r>
-              <a:rPr lang="en-US" dirty="0" smtClean="0"/>
+              <a:rPr lang="en-US" dirty="0"/>
               <a:t>Instructions</a:t>
             </a:r>
+          </a:p>
+        </p:txBody>
+      </p:sp>
+      <p:sp>
+        <p:nvSpPr>
+          <p:cNvPr id="3" name="Content Placeholder 2"/>
+          <p:cNvSpPr>
+            <a:spLocks noGrp="1"/>
+          </p:cNvSpPr>
+          <p:nvPr>
+            <p:ph idx="1"/>
+          </p:nvPr>
+        </p:nvSpPr>
+        <p:spPr/>
+        <p:txBody>
+          <a:bodyPr/>
+          <a:lstStyle/>
+          <a:p>
+            <a:r>
+              <a:rPr lang="en-US" dirty="0"/>
+              <a:t>General instruction format is </a:t>
+            </a:r>
+          </a:p>
+          <a:p>
             <a:endParaRPr lang="en-US" dirty="0"/>
           </a:p>
-        </p:txBody>
-      </p:sp>
-      <p:sp>
-        <p:nvSpPr>
-          <p:cNvPr id="3" name="Content Placeholder 2"/>
-          <p:cNvSpPr>
-            <a:spLocks noGrp="1"/>
-          </p:cNvSpPr>
-          <p:nvPr>
-            <p:ph idx="1"/>
-          </p:nvPr>
-        </p:nvSpPr>
-        <p:spPr/>
-        <p:txBody>
-          <a:bodyPr/>
-          <a:lstStyle/>
-          <a:p>
-            <a:r>
-              <a:rPr lang="en-US" dirty="0" smtClean="0"/>
-              <a:t>General instruction format is </a:t>
-            </a:r>
-          </a:p>
-          <a:p>
-            <a:endParaRPr lang="en-US" dirty="0"/>
-          </a:p>
-          <a:p>
-            <a:r>
-              <a:rPr lang="en-US" dirty="0" smtClean="0"/>
+          <a:p>
+            <a:r>
+              <a:rPr lang="en-US" dirty="0"/>
               <a:t>Since we have 15 registers each source and destination fields are 4 bits each. </a:t>
             </a:r>
           </a:p>
           <a:p>
             <a:r>
-              <a:rPr lang="en-US" dirty="0" smtClean="0"/>
+              <a:rPr lang="en-US" dirty="0"/>
               <a:t>Thus last two blocks in instruction takes 8bits</a:t>
             </a:r>
           </a:p>
           <a:p>
             <a:r>
-              <a:rPr lang="en-US" dirty="0" smtClean="0"/>
+              <a:rPr lang="en-US" dirty="0"/>
               <a:t>We will assume the instruction is 16 bit wide</a:t>
             </a:r>
           </a:p>
           <a:p>
             <a:r>
-              <a:rPr lang="en-US" dirty="0" smtClean="0"/>
+              <a:rPr lang="en-US" dirty="0"/>
               <a:t>This leaves 8 bits for operation, hence we can have 256 instructions on our processor</a:t>
             </a:r>
           </a:p>
@@ -5598,10 +5555,9 @@
           <a:lstStyle/>
           <a:p>
             <a:r>
-              <a:rPr lang="en-US" dirty="0" smtClean="0"/>
+              <a:rPr lang="en-US" dirty="0"/>
               <a:t>Instructions example</a:t>
             </a:r>
-            <a:endParaRPr lang="en-US" dirty="0"/>
           </a:p>
         </p:txBody>
       </p:sp>
@@ -5623,26 +5579,26 @@
           <a:lstStyle/>
           <a:p>
             <a:r>
-              <a:rPr lang="en-US" dirty="0" smtClean="0"/>
+              <a:rPr lang="en-US" dirty="0"/>
               <a:t>NOP – no operation 0x0000 or 0xFFFF (why?)</a:t>
             </a:r>
           </a:p>
           <a:p>
             <a:r>
-              <a:rPr lang="en-US" dirty="0" smtClean="0"/>
+              <a:rPr lang="en-US" dirty="0"/>
               <a:t>Add – 0x01xx</a:t>
             </a:r>
           </a:p>
           <a:p>
             <a:pPr lvl="1"/>
             <a:r>
-              <a:rPr lang="en-US" dirty="0" smtClean="0"/>
+              <a:rPr lang="en-US" dirty="0"/>
               <a:t>So lets say you want to add value in R0 to R1 and store results back in R0.  Then your instruction to do this would be 0x0110</a:t>
             </a:r>
           </a:p>
           <a:p>
             <a:r>
-              <a:rPr lang="en-US" dirty="0" smtClean="0"/>
+              <a:rPr lang="en-US" dirty="0"/>
               <a:t>LOAD Immediate – 0x800x then we will assume the next 16 bits contain the data to load.  So to load 3 into R1 we would send computer two 16 bit numbers: 0x8001 0x0003.</a:t>
             </a:r>
           </a:p>
@@ -5694,10 +5650,9 @@
           <a:lstStyle/>
           <a:p>
             <a:r>
-              <a:rPr lang="en-US" dirty="0" smtClean="0"/>
+              <a:rPr lang="en-US" dirty="0"/>
               <a:t>A Simple program</a:t>
             </a:r>
-            <a:endParaRPr lang="en-US" dirty="0"/>
           </a:p>
         </p:txBody>
       </p:sp>
@@ -5719,60 +5674,60 @@
           <a:lstStyle/>
           <a:p>
             <a:r>
-              <a:rPr lang="en-US" dirty="0" smtClean="0"/>
+              <a:rPr lang="en-US" dirty="0"/>
               <a:t>Load R1 with 3</a:t>
             </a:r>
           </a:p>
           <a:p>
             <a:pPr lvl="1"/>
             <a:r>
-              <a:rPr lang="en-US" dirty="0" smtClean="0"/>
+              <a:rPr lang="en-US" dirty="0"/>
               <a:t>0x8001 </a:t>
             </a:r>
           </a:p>
           <a:p>
             <a:pPr lvl="1"/>
             <a:r>
-              <a:rPr lang="en-US" dirty="0" smtClean="0"/>
+              <a:rPr lang="en-US" dirty="0"/>
               <a:t>0x0003</a:t>
             </a:r>
           </a:p>
           <a:p>
             <a:r>
-              <a:rPr lang="en-US" dirty="0" smtClean="0"/>
+              <a:rPr lang="en-US" dirty="0"/>
               <a:t>Load R0 with 4</a:t>
             </a:r>
           </a:p>
           <a:p>
             <a:pPr lvl="1"/>
             <a:r>
-              <a:rPr lang="en-US" dirty="0" smtClean="0"/>
+              <a:rPr lang="en-US" dirty="0"/>
               <a:t>0x8000</a:t>
             </a:r>
           </a:p>
           <a:p>
             <a:pPr lvl="1"/>
             <a:r>
-              <a:rPr lang="en-US" dirty="0" smtClean="0"/>
+              <a:rPr lang="en-US" dirty="0"/>
               <a:t>0x0004</a:t>
             </a:r>
           </a:p>
           <a:p>
             <a:r>
-              <a:rPr lang="en-US" dirty="0" smtClean="0"/>
+              <a:rPr lang="en-US" dirty="0"/>
               <a:t>Add R0 to R1 and store in R0</a:t>
             </a:r>
           </a:p>
           <a:p>
             <a:pPr lvl="1"/>
             <a:r>
-              <a:rPr lang="en-US" dirty="0" smtClean="0"/>
+              <a:rPr lang="en-US" dirty="0"/>
               <a:t>0x0110 </a:t>
             </a:r>
           </a:p>
           <a:p>
             <a:r>
-              <a:rPr lang="en-US" dirty="0" smtClean="0"/>
+              <a:rPr lang="en-US" dirty="0"/>
               <a:t>Now R0 contains 7 </a:t>
             </a:r>
           </a:p>
